--- a/figures/pH_fig.pptx
+++ b/figures/pH_fig.pptx
@@ -6,6 +6,7 @@
   </p:sldMasterIdLst>
   <p:sldIdLst>
     <p:sldId id="2371" r:id="rId2"/>
+    <p:sldId id="2372" r:id="rId3"/>
   </p:sldIdLst>
   <p:sldSz cx="12192000" cy="6858000"/>
   <p:notesSz cx="6858000" cy="9144000"/>
@@ -104,6 +105,11 @@
       </a:defRPr>
     </a:lvl9pPr>
   </p:defaultTextStyle>
+  <p:extLst>
+    <p:ext uri="{EFAFB233-063F-42B5-8137-9DF3F51BA10A}">
+      <p15:sldGuideLst xmlns:p15="http://schemas.microsoft.com/office/powerpoint/2012/main"/>
+    </p:ext>
+  </p:extLst>
 </p:presentation>
 </file>
 
@@ -254,7 +260,7 @@
           <a:p>
             <a:fld id="{8622E48A-49B3-0140-92F9-2F4EF2F3D1BF}" type="datetimeFigureOut">
               <a:rPr lang="en-US" smtClean="0"/>
-              <a:t>5/1/24</a:t>
+              <a:t>7/4/24</a:t>
             </a:fld>
             <a:endParaRPr lang="en-US"/>
           </a:p>
@@ -452,7 +458,7 @@
           <a:p>
             <a:fld id="{8622E48A-49B3-0140-92F9-2F4EF2F3D1BF}" type="datetimeFigureOut">
               <a:rPr lang="en-US" smtClean="0"/>
-              <a:t>5/1/24</a:t>
+              <a:t>7/4/24</a:t>
             </a:fld>
             <a:endParaRPr lang="en-US"/>
           </a:p>
@@ -660,7 +666,7 @@
           <a:p>
             <a:fld id="{8622E48A-49B3-0140-92F9-2F4EF2F3D1BF}" type="datetimeFigureOut">
               <a:rPr lang="en-US" smtClean="0"/>
-              <a:t>5/1/24</a:t>
+              <a:t>7/4/24</a:t>
             </a:fld>
             <a:endParaRPr lang="en-US"/>
           </a:p>
@@ -858,7 +864,7 @@
           <a:p>
             <a:fld id="{8622E48A-49B3-0140-92F9-2F4EF2F3D1BF}" type="datetimeFigureOut">
               <a:rPr lang="en-US" smtClean="0"/>
-              <a:t>5/1/24</a:t>
+              <a:t>7/4/24</a:t>
             </a:fld>
             <a:endParaRPr lang="en-US"/>
           </a:p>
@@ -1133,7 +1139,7 @@
           <a:p>
             <a:fld id="{8622E48A-49B3-0140-92F9-2F4EF2F3D1BF}" type="datetimeFigureOut">
               <a:rPr lang="en-US" smtClean="0"/>
-              <a:t>5/1/24</a:t>
+              <a:t>7/4/24</a:t>
             </a:fld>
             <a:endParaRPr lang="en-US"/>
           </a:p>
@@ -1398,7 +1404,7 @@
           <a:p>
             <a:fld id="{8622E48A-49B3-0140-92F9-2F4EF2F3D1BF}" type="datetimeFigureOut">
               <a:rPr lang="en-US" smtClean="0"/>
-              <a:t>5/1/24</a:t>
+              <a:t>7/4/24</a:t>
             </a:fld>
             <a:endParaRPr lang="en-US"/>
           </a:p>
@@ -1810,7 +1816,7 @@
           <a:p>
             <a:fld id="{8622E48A-49B3-0140-92F9-2F4EF2F3D1BF}" type="datetimeFigureOut">
               <a:rPr lang="en-US" smtClean="0"/>
-              <a:t>5/1/24</a:t>
+              <a:t>7/4/24</a:t>
             </a:fld>
             <a:endParaRPr lang="en-US"/>
           </a:p>
@@ -1951,7 +1957,7 @@
           <a:p>
             <a:fld id="{8622E48A-49B3-0140-92F9-2F4EF2F3D1BF}" type="datetimeFigureOut">
               <a:rPr lang="en-US" smtClean="0"/>
-              <a:t>5/1/24</a:t>
+              <a:t>7/4/24</a:t>
             </a:fld>
             <a:endParaRPr lang="en-US"/>
           </a:p>
@@ -2064,7 +2070,7 @@
           <a:p>
             <a:fld id="{8622E48A-49B3-0140-92F9-2F4EF2F3D1BF}" type="datetimeFigureOut">
               <a:rPr lang="en-US" smtClean="0"/>
-              <a:t>5/1/24</a:t>
+              <a:t>7/4/24</a:t>
             </a:fld>
             <a:endParaRPr lang="en-US"/>
           </a:p>
@@ -2375,7 +2381,7 @@
           <a:p>
             <a:fld id="{8622E48A-49B3-0140-92F9-2F4EF2F3D1BF}" type="datetimeFigureOut">
               <a:rPr lang="en-US" smtClean="0"/>
-              <a:t>5/1/24</a:t>
+              <a:t>7/4/24</a:t>
             </a:fld>
             <a:endParaRPr lang="en-US"/>
           </a:p>
@@ -2663,7 +2669,7 @@
           <a:p>
             <a:fld id="{8622E48A-49B3-0140-92F9-2F4EF2F3D1BF}" type="datetimeFigureOut">
               <a:rPr lang="en-US" smtClean="0"/>
-              <a:t>5/1/24</a:t>
+              <a:t>7/4/24</a:t>
             </a:fld>
             <a:endParaRPr lang="en-US"/>
           </a:p>
@@ -2904,7 +2910,7 @@
           <a:p>
             <a:fld id="{8622E48A-49B3-0140-92F9-2F4EF2F3D1BF}" type="datetimeFigureOut">
               <a:rPr lang="en-US" smtClean="0"/>
-              <a:t>5/1/24</a:t>
+              <a:t>7/4/24</a:t>
             </a:fld>
             <a:endParaRPr lang="en-US"/>
           </a:p>
@@ -3323,10 +3329,10 @@
       </p:grpSpPr>
       <p:pic>
         <p:nvPicPr>
-          <p:cNvPr id="8" name="Picture 7">
-            <a:extLst>
-              <a:ext uri="{FF2B5EF4-FFF2-40B4-BE49-F238E27FC236}">
-                <a16:creationId xmlns:a16="http://schemas.microsoft.com/office/drawing/2014/main" id="{37270F89-4153-ED49-E636-F149DB193649}"/>
+          <p:cNvPr id="24" name="Picture 23">
+            <a:extLst>
+              <a:ext uri="{FF2B5EF4-FFF2-40B4-BE49-F238E27FC236}">
+                <a16:creationId xmlns:a16="http://schemas.microsoft.com/office/drawing/2014/main" id="{120F0578-6D01-D378-E77C-7F8F74A03AD8}"/>
               </a:ext>
             </a:extLst>
           </p:cNvPr>
@@ -3343,8 +3349,8 @@
         </p:blipFill>
         <p:spPr>
           <a:xfrm>
-            <a:off x="0" y="2174984"/>
-            <a:ext cx="6781800" cy="3390900"/>
+            <a:off x="487331" y="1471981"/>
+            <a:ext cx="6602993" cy="3301497"/>
           </a:xfrm>
           <a:prstGeom prst="rect">
             <a:avLst/>
@@ -3353,10 +3359,10 @@
       </p:pic>
       <p:pic>
         <p:nvPicPr>
-          <p:cNvPr id="4" name="Picture 3">
-            <a:extLst>
-              <a:ext uri="{FF2B5EF4-FFF2-40B4-BE49-F238E27FC236}">
-                <a16:creationId xmlns:a16="http://schemas.microsoft.com/office/drawing/2014/main" id="{219A4E73-5691-EBB5-7316-015CBD35870D}"/>
+          <p:cNvPr id="28" name="Picture 27">
+            <a:extLst>
+              <a:ext uri="{FF2B5EF4-FFF2-40B4-BE49-F238E27FC236}">
+                <a16:creationId xmlns:a16="http://schemas.microsoft.com/office/drawing/2014/main" id="{951BA340-EB42-3761-7EBA-EDBF2993A062}"/>
               </a:ext>
             </a:extLst>
           </p:cNvPr>
@@ -3373,8 +3379,8 @@
         </p:blipFill>
         <p:spPr>
           <a:xfrm>
-            <a:off x="5265973" y="2174984"/>
-            <a:ext cx="6781800" cy="3390900"/>
+            <a:off x="5767085" y="1471981"/>
+            <a:ext cx="6424915" cy="2780783"/>
           </a:xfrm>
           <a:prstGeom prst="rect">
             <a:avLst/>
@@ -3395,7 +3401,7 @@
         </p:nvSpPr>
         <p:spPr>
           <a:xfrm>
-            <a:off x="7147035" y="2554013"/>
+            <a:off x="7696815" y="1743818"/>
             <a:ext cx="934871" cy="523220"/>
           </a:xfrm>
           <a:prstGeom prst="rect">
@@ -3456,7 +3462,7 @@
         </p:nvSpPr>
         <p:spPr>
           <a:xfrm>
-            <a:off x="9506605" y="2554013"/>
+            <a:off x="10081672" y="1743818"/>
             <a:ext cx="934871" cy="523220"/>
           </a:xfrm>
           <a:prstGeom prst="rect">
@@ -3503,12 +3509,244 @@
           </a:p>
         </p:txBody>
       </p:sp>
-      <p:sp>
-        <p:nvSpPr>
-          <p:cNvPr id="9" name="TextBox 8">
-            <a:extLst>
-              <a:ext uri="{FF2B5EF4-FFF2-40B4-BE49-F238E27FC236}">
-                <a16:creationId xmlns:a16="http://schemas.microsoft.com/office/drawing/2014/main" id="{2E94224D-5504-9363-A074-689470BF07E0}"/>
+    </p:spTree>
+    <p:extLst>
+      <p:ext uri="{BB962C8B-B14F-4D97-AF65-F5344CB8AC3E}">
+        <p14:creationId xmlns:p14="http://schemas.microsoft.com/office/powerpoint/2010/main" val="3642034611"/>
+      </p:ext>
+    </p:extLst>
+  </p:cSld>
+  <p:clrMapOvr>
+    <a:masterClrMapping/>
+  </p:clrMapOvr>
+</p:sld>
+</file>
+
+<file path=ppt/slides/slide2.xml><?xml version="1.0" encoding="utf-8"?>
+<p:sld xmlns:a="http://schemas.openxmlformats.org/drawingml/2006/main" xmlns:r="http://schemas.openxmlformats.org/officeDocument/2006/relationships" xmlns:p="http://schemas.openxmlformats.org/presentationml/2006/main">
+  <p:cSld>
+    <p:spTree>
+      <p:nvGrpSpPr>
+        <p:cNvPr id="1" name=""/>
+        <p:cNvGrpSpPr/>
+        <p:nvPr/>
+      </p:nvGrpSpPr>
+      <p:grpSpPr>
+        <a:xfrm>
+          <a:off x="0" y="0"/>
+          <a:ext cx="0" cy="0"/>
+          <a:chOff x="0" y="0"/>
+          <a:chExt cx="0" cy="0"/>
+        </a:xfrm>
+      </p:grpSpPr>
+      <p:pic>
+        <p:nvPicPr>
+          <p:cNvPr id="24" name="Picture 23">
+            <a:extLst>
+              <a:ext uri="{FF2B5EF4-FFF2-40B4-BE49-F238E27FC236}">
+                <a16:creationId xmlns:a16="http://schemas.microsoft.com/office/drawing/2014/main" id="{120F0578-6D01-D378-E77C-7F8F74A03AD8}"/>
+              </a:ext>
+            </a:extLst>
+          </p:cNvPr>
+          <p:cNvPicPr>
+            <a:picLocks noChangeAspect="1"/>
+          </p:cNvPicPr>
+          <p:nvPr/>
+        </p:nvPicPr>
+        <p:blipFill rotWithShape="1">
+          <a:blip r:embed="rId2"/>
+          <a:srcRect r="19735"/>
+          <a:stretch/>
+        </p:blipFill>
+        <p:spPr>
+          <a:xfrm>
+            <a:off x="3072821" y="3245274"/>
+            <a:ext cx="5299858" cy="3301497"/>
+          </a:xfrm>
+          <a:prstGeom prst="rect">
+            <a:avLst/>
+          </a:prstGeom>
+        </p:spPr>
+      </p:pic>
+      <p:grpSp>
+        <p:nvGrpSpPr>
+          <p:cNvPr id="2" name="Group 1">
+            <a:extLst>
+              <a:ext uri="{FF2B5EF4-FFF2-40B4-BE49-F238E27FC236}">
+                <a16:creationId xmlns:a16="http://schemas.microsoft.com/office/drawing/2014/main" id="{C412C49C-0673-2881-12E0-15059AAE6459}"/>
+              </a:ext>
+            </a:extLst>
+          </p:cNvPr>
+          <p:cNvGrpSpPr/>
+          <p:nvPr/>
+        </p:nvGrpSpPr>
+        <p:grpSpPr>
+          <a:xfrm>
+            <a:off x="2866695" y="311229"/>
+            <a:ext cx="6602993" cy="2865175"/>
+            <a:chOff x="5767085" y="1471981"/>
+            <a:chExt cx="6424915" cy="2780783"/>
+          </a:xfrm>
+        </p:grpSpPr>
+        <p:pic>
+          <p:nvPicPr>
+            <p:cNvPr id="28" name="Picture 27">
+              <a:extLst>
+                <a:ext uri="{FF2B5EF4-FFF2-40B4-BE49-F238E27FC236}">
+                  <a16:creationId xmlns:a16="http://schemas.microsoft.com/office/drawing/2014/main" id="{951BA340-EB42-3761-7EBA-EDBF2993A062}"/>
+                </a:ext>
+              </a:extLst>
+            </p:cNvPr>
+            <p:cNvPicPr>
+              <a:picLocks noChangeAspect="1"/>
+            </p:cNvPicPr>
+            <p:nvPr/>
+          </p:nvPicPr>
+          <p:blipFill>
+            <a:blip r:embed="rId3"/>
+            <a:stretch>
+              <a:fillRect/>
+            </a:stretch>
+          </p:blipFill>
+          <p:spPr>
+            <a:xfrm>
+              <a:off x="5767085" y="1471981"/>
+              <a:ext cx="6424915" cy="2780783"/>
+            </a:xfrm>
+            <a:prstGeom prst="rect">
+              <a:avLst/>
+            </a:prstGeom>
+          </p:spPr>
+        </p:pic>
+        <p:sp>
+          <p:nvSpPr>
+            <p:cNvPr id="5" name="TextBox 4">
+              <a:extLst>
+                <a:ext uri="{FF2B5EF4-FFF2-40B4-BE49-F238E27FC236}">
+                  <a16:creationId xmlns:a16="http://schemas.microsoft.com/office/drawing/2014/main" id="{38A14FE5-DB15-7BCE-1C6E-7153B03E560F}"/>
+                </a:ext>
+              </a:extLst>
+            </p:cNvPr>
+            <p:cNvSpPr txBox="1"/>
+            <p:nvPr/>
+          </p:nvSpPr>
+          <p:spPr>
+            <a:xfrm>
+              <a:off x="7696815" y="1743818"/>
+              <a:ext cx="934871" cy="523220"/>
+            </a:xfrm>
+            <a:prstGeom prst="rect">
+              <a:avLst/>
+            </a:prstGeom>
+            <a:noFill/>
+          </p:spPr>
+          <p:txBody>
+            <a:bodyPr wrap="none" rtlCol="0">
+              <a:spAutoFit/>
+            </a:bodyPr>
+            <a:lstStyle/>
+            <a:p>
+              <a:r>
+                <a:rPr lang="en-US" sz="1400" dirty="0">
+                  <a:latin typeface="Arial" panose="020B0604020202020204" pitchFamily="34" charset="0"/>
+                  <a:cs typeface="Arial" panose="020B0604020202020204" pitchFamily="34" charset="0"/>
+                </a:rPr>
+                <a:t>p &lt; 0.001</a:t>
+              </a:r>
+            </a:p>
+            <a:p>
+              <a:r>
+                <a:rPr lang="en-US" sz="1400" dirty="0">
+                  <a:latin typeface="Arial" panose="020B0604020202020204" pitchFamily="34" charset="0"/>
+                  <a:cs typeface="Arial" panose="020B0604020202020204" pitchFamily="34" charset="0"/>
+                </a:rPr>
+                <a:t>R</a:t>
+              </a:r>
+              <a:r>
+                <a:rPr lang="en-US" sz="1400" baseline="30000" dirty="0">
+                  <a:latin typeface="Arial" panose="020B0604020202020204" pitchFamily="34" charset="0"/>
+                  <a:cs typeface="Arial" panose="020B0604020202020204" pitchFamily="34" charset="0"/>
+                </a:rPr>
+                <a:t>2 </a:t>
+              </a:r>
+              <a:r>
+                <a:rPr lang="en-US" sz="1400" dirty="0">
+                  <a:latin typeface="Arial" panose="020B0604020202020204" pitchFamily="34" charset="0"/>
+                  <a:cs typeface="Arial" panose="020B0604020202020204" pitchFamily="34" charset="0"/>
+                </a:rPr>
+                <a:t>= 0.45</a:t>
+              </a:r>
+            </a:p>
+          </p:txBody>
+        </p:sp>
+        <p:sp>
+          <p:nvSpPr>
+            <p:cNvPr id="6" name="TextBox 5">
+              <a:extLst>
+                <a:ext uri="{FF2B5EF4-FFF2-40B4-BE49-F238E27FC236}">
+                  <a16:creationId xmlns:a16="http://schemas.microsoft.com/office/drawing/2014/main" id="{1E5544B8-F86E-C2CF-684A-C7C8795FDEE3}"/>
+                </a:ext>
+              </a:extLst>
+            </p:cNvPr>
+            <p:cNvSpPr txBox="1"/>
+            <p:nvPr/>
+          </p:nvSpPr>
+          <p:spPr>
+            <a:xfrm>
+              <a:off x="10081672" y="1743818"/>
+              <a:ext cx="934871" cy="523220"/>
+            </a:xfrm>
+            <a:prstGeom prst="rect">
+              <a:avLst/>
+            </a:prstGeom>
+            <a:noFill/>
+          </p:spPr>
+          <p:txBody>
+            <a:bodyPr wrap="none" rtlCol="0">
+              <a:spAutoFit/>
+            </a:bodyPr>
+            <a:lstStyle/>
+            <a:p>
+              <a:r>
+                <a:rPr lang="en-US" sz="1400" dirty="0">
+                  <a:latin typeface="Arial" panose="020B0604020202020204" pitchFamily="34" charset="0"/>
+                  <a:cs typeface="Arial" panose="020B0604020202020204" pitchFamily="34" charset="0"/>
+                </a:rPr>
+                <a:t>p &lt; 0.001</a:t>
+              </a:r>
+            </a:p>
+            <a:p>
+              <a:r>
+                <a:rPr lang="en-US" sz="1400" dirty="0">
+                  <a:latin typeface="Arial" panose="020B0604020202020204" pitchFamily="34" charset="0"/>
+                  <a:cs typeface="Arial" panose="020B0604020202020204" pitchFamily="34" charset="0"/>
+                </a:rPr>
+                <a:t>R</a:t>
+              </a:r>
+              <a:r>
+                <a:rPr lang="en-US" sz="1400" baseline="30000" dirty="0">
+                  <a:latin typeface="Arial" panose="020B0604020202020204" pitchFamily="34" charset="0"/>
+                  <a:cs typeface="Arial" panose="020B0604020202020204" pitchFamily="34" charset="0"/>
+                </a:rPr>
+                <a:t>2 </a:t>
+              </a:r>
+              <a:r>
+                <a:rPr lang="en-US" sz="1400" dirty="0">
+                  <a:latin typeface="Arial" panose="020B0604020202020204" pitchFamily="34" charset="0"/>
+                  <a:cs typeface="Arial" panose="020B0604020202020204" pitchFamily="34" charset="0"/>
+                </a:rPr>
+                <a:t>= 0.97</a:t>
+              </a:r>
+            </a:p>
+          </p:txBody>
+        </p:sp>
+      </p:grpSp>
+      <p:sp>
+        <p:nvSpPr>
+          <p:cNvPr id="3" name="TextBox 2">
+            <a:extLst>
+              <a:ext uri="{FF2B5EF4-FFF2-40B4-BE49-F238E27FC236}">
+                <a16:creationId xmlns:a16="http://schemas.microsoft.com/office/drawing/2014/main" id="{B2FE4084-97BE-9207-2963-721B16A9D43C}"/>
               </a:ext>
             </a:extLst>
           </p:cNvPr>
@@ -3517,8 +3755,8 @@
         </p:nvSpPr>
         <p:spPr>
           <a:xfrm>
-            <a:off x="714703" y="4235668"/>
-            <a:ext cx="284052" cy="307777"/>
+            <a:off x="2425549" y="311229"/>
+            <a:ext cx="441146" cy="369332"/>
           </a:xfrm>
           <a:prstGeom prst="rect">
             <a:avLst/>
@@ -3532,21 +3770,18 @@
           <a:lstStyle/>
           <a:p>
             <a:r>
-              <a:rPr lang="en-US" sz="1400" dirty="0">
-                <a:latin typeface="Arial" panose="020B0604020202020204" pitchFamily="34" charset="0"/>
-                <a:cs typeface="Arial" panose="020B0604020202020204" pitchFamily="34" charset="0"/>
-              </a:rPr>
-              <a:t>a</a:t>
-            </a:r>
-          </a:p>
-        </p:txBody>
-      </p:sp>
-      <p:sp>
-        <p:nvSpPr>
-          <p:cNvPr id="10" name="TextBox 9">
-            <a:extLst>
-              <a:ext uri="{FF2B5EF4-FFF2-40B4-BE49-F238E27FC236}">
-                <a16:creationId xmlns:a16="http://schemas.microsoft.com/office/drawing/2014/main" id="{F33156C9-7B86-743D-17B1-DF8C7DB72997}"/>
+              <a:rPr lang="en-US" dirty="0"/>
+              <a:t>a.)</a:t>
+            </a:r>
+          </a:p>
+        </p:txBody>
+      </p:sp>
+      <p:sp>
+        <p:nvSpPr>
+          <p:cNvPr id="4" name="TextBox 3">
+            <a:extLst>
+              <a:ext uri="{FF2B5EF4-FFF2-40B4-BE49-F238E27FC236}">
+                <a16:creationId xmlns:a16="http://schemas.microsoft.com/office/drawing/2014/main" id="{91B13A7F-EE02-9FB0-B1CD-C095BF66B446}"/>
               </a:ext>
             </a:extLst>
           </p:cNvPr>
@@ -3555,8 +3790,8 @@
         </p:nvSpPr>
         <p:spPr>
           <a:xfrm>
-            <a:off x="1255985" y="3019096"/>
-            <a:ext cx="284052" cy="307777"/>
+            <a:off x="2426125" y="3176404"/>
+            <a:ext cx="440570" cy="369332"/>
           </a:xfrm>
           <a:prstGeom prst="rect">
             <a:avLst/>
@@ -3570,201 +3805,8 @@
           <a:lstStyle/>
           <a:p>
             <a:r>
-              <a:rPr lang="en-US" sz="1400" dirty="0">
-                <a:latin typeface="Arial" panose="020B0604020202020204" pitchFamily="34" charset="0"/>
-                <a:cs typeface="Arial" panose="020B0604020202020204" pitchFamily="34" charset="0"/>
-              </a:rPr>
-              <a:t>a</a:t>
-            </a:r>
-          </a:p>
-        </p:txBody>
-      </p:sp>
-      <p:sp>
-        <p:nvSpPr>
-          <p:cNvPr id="11" name="TextBox 10">
-            <a:extLst>
-              <a:ext uri="{FF2B5EF4-FFF2-40B4-BE49-F238E27FC236}">
-                <a16:creationId xmlns:a16="http://schemas.microsoft.com/office/drawing/2014/main" id="{C096D535-7C5B-BD4B-1431-D9DE5FBB3A9E}"/>
-              </a:ext>
-            </a:extLst>
-          </p:cNvPr>
-          <p:cNvSpPr txBox="1"/>
-          <p:nvPr/>
-        </p:nvSpPr>
-        <p:spPr>
-          <a:xfrm>
-            <a:off x="1827338" y="2703022"/>
-            <a:ext cx="284052" cy="307777"/>
-          </a:xfrm>
-          <a:prstGeom prst="rect">
-            <a:avLst/>
-          </a:prstGeom>
-          <a:noFill/>
-        </p:spPr>
-        <p:txBody>
-          <a:bodyPr wrap="none" rtlCol="0">
-            <a:spAutoFit/>
-          </a:bodyPr>
-          <a:lstStyle/>
-          <a:p>
-            <a:r>
-              <a:rPr lang="en-US" sz="1400" dirty="0">
-                <a:latin typeface="Arial" panose="020B0604020202020204" pitchFamily="34" charset="0"/>
-                <a:cs typeface="Arial" panose="020B0604020202020204" pitchFamily="34" charset="0"/>
-              </a:rPr>
-              <a:t>b</a:t>
-            </a:r>
-          </a:p>
-        </p:txBody>
-      </p:sp>
-      <p:sp>
-        <p:nvSpPr>
-          <p:cNvPr id="12" name="TextBox 11">
-            <a:extLst>
-              <a:ext uri="{FF2B5EF4-FFF2-40B4-BE49-F238E27FC236}">
-                <a16:creationId xmlns:a16="http://schemas.microsoft.com/office/drawing/2014/main" id="{DD860307-6CFC-B3AC-34B2-1A1B87B34468}"/>
-              </a:ext>
-            </a:extLst>
-          </p:cNvPr>
-          <p:cNvSpPr txBox="1"/>
-          <p:nvPr/>
-        </p:nvSpPr>
-        <p:spPr>
-          <a:xfrm>
-            <a:off x="2384083" y="2400877"/>
-            <a:ext cx="284052" cy="307777"/>
-          </a:xfrm>
-          <a:prstGeom prst="rect">
-            <a:avLst/>
-          </a:prstGeom>
-          <a:noFill/>
-        </p:spPr>
-        <p:txBody>
-          <a:bodyPr wrap="none" rtlCol="0">
-            <a:spAutoFit/>
-          </a:bodyPr>
-          <a:lstStyle/>
-          <a:p>
-            <a:r>
-              <a:rPr lang="en-US" sz="1400" dirty="0">
-                <a:latin typeface="Arial" panose="020B0604020202020204" pitchFamily="34" charset="0"/>
-                <a:cs typeface="Arial" panose="020B0604020202020204" pitchFamily="34" charset="0"/>
-              </a:rPr>
-              <a:t>b</a:t>
-            </a:r>
-          </a:p>
-        </p:txBody>
-      </p:sp>
-      <p:sp>
-        <p:nvSpPr>
-          <p:cNvPr id="13" name="TextBox 12">
-            <a:extLst>
-              <a:ext uri="{FF2B5EF4-FFF2-40B4-BE49-F238E27FC236}">
-                <a16:creationId xmlns:a16="http://schemas.microsoft.com/office/drawing/2014/main" id="{FB5501F8-3C33-F48F-4E19-51A1B1F75F51}"/>
-              </a:ext>
-            </a:extLst>
-          </p:cNvPr>
-          <p:cNvSpPr txBox="1"/>
-          <p:nvPr/>
-        </p:nvSpPr>
-        <p:spPr>
-          <a:xfrm>
-            <a:off x="3210901" y="4419598"/>
-            <a:ext cx="284052" cy="307777"/>
-          </a:xfrm>
-          <a:prstGeom prst="rect">
-            <a:avLst/>
-          </a:prstGeom>
-          <a:noFill/>
-        </p:spPr>
-        <p:txBody>
-          <a:bodyPr wrap="none" rtlCol="0">
-            <a:spAutoFit/>
-          </a:bodyPr>
-          <a:lstStyle/>
-          <a:p>
-            <a:r>
-              <a:rPr lang="en-US" sz="1400" dirty="0">
-                <a:latin typeface="Arial" panose="020B0604020202020204" pitchFamily="34" charset="0"/>
-                <a:cs typeface="Arial" panose="020B0604020202020204" pitchFamily="34" charset="0"/>
-              </a:rPr>
-              <a:t>a</a:t>
-            </a:r>
-          </a:p>
-        </p:txBody>
-      </p:sp>
-      <p:sp>
-        <p:nvSpPr>
-          <p:cNvPr id="14" name="TextBox 13">
-            <a:extLst>
-              <a:ext uri="{FF2B5EF4-FFF2-40B4-BE49-F238E27FC236}">
-                <a16:creationId xmlns:a16="http://schemas.microsoft.com/office/drawing/2014/main" id="{366A2CCD-12D5-ECFC-7780-83DD30F574C7}"/>
-              </a:ext>
-            </a:extLst>
-          </p:cNvPr>
-          <p:cNvSpPr txBox="1"/>
-          <p:nvPr/>
-        </p:nvSpPr>
-        <p:spPr>
-          <a:xfrm>
-            <a:off x="3941367" y="3371187"/>
-            <a:ext cx="284052" cy="307777"/>
-          </a:xfrm>
-          <a:prstGeom prst="rect">
-            <a:avLst/>
-          </a:prstGeom>
-          <a:noFill/>
-        </p:spPr>
-        <p:txBody>
-          <a:bodyPr wrap="none" rtlCol="0">
-            <a:spAutoFit/>
-          </a:bodyPr>
-          <a:lstStyle/>
-          <a:p>
-            <a:r>
-              <a:rPr lang="en-US" sz="1400" dirty="0">
-                <a:latin typeface="Arial" panose="020B0604020202020204" pitchFamily="34" charset="0"/>
-                <a:cs typeface="Arial" panose="020B0604020202020204" pitchFamily="34" charset="0"/>
-              </a:rPr>
-              <a:t>b</a:t>
-            </a:r>
-          </a:p>
-        </p:txBody>
-      </p:sp>
-      <p:sp>
-        <p:nvSpPr>
-          <p:cNvPr id="15" name="TextBox 14">
-            <a:extLst>
-              <a:ext uri="{FF2B5EF4-FFF2-40B4-BE49-F238E27FC236}">
-                <a16:creationId xmlns:a16="http://schemas.microsoft.com/office/drawing/2014/main" id="{76F0E323-3F1D-446C-8172-20EE2F3EAD8A}"/>
-              </a:ext>
-            </a:extLst>
-          </p:cNvPr>
-          <p:cNvSpPr txBox="1"/>
-          <p:nvPr/>
-        </p:nvSpPr>
-        <p:spPr>
-          <a:xfrm>
-            <a:off x="4670077" y="2427155"/>
-            <a:ext cx="274434" cy="307777"/>
-          </a:xfrm>
-          <a:prstGeom prst="rect">
-            <a:avLst/>
-          </a:prstGeom>
-          <a:noFill/>
-        </p:spPr>
-        <p:txBody>
-          <a:bodyPr wrap="none" rtlCol="0">
-            <a:spAutoFit/>
-          </a:bodyPr>
-          <a:lstStyle/>
-          <a:p>
-            <a:r>
-              <a:rPr lang="en-US" sz="1400" dirty="0">
-                <a:latin typeface="Arial" panose="020B0604020202020204" pitchFamily="34" charset="0"/>
-                <a:cs typeface="Arial" panose="020B0604020202020204" pitchFamily="34" charset="0"/>
-              </a:rPr>
-              <a:t>c</a:t>
+              <a:rPr lang="en-US" dirty="0"/>
+              <a:t>b.)</a:t>
             </a:r>
           </a:p>
         </p:txBody>
@@ -3772,7 +3814,7 @@
     </p:spTree>
     <p:extLst>
       <p:ext uri="{BB962C8B-B14F-4D97-AF65-F5344CB8AC3E}">
-        <p14:creationId xmlns:p14="http://schemas.microsoft.com/office/powerpoint/2010/main" val="3642034611"/>
+        <p14:creationId xmlns:p14="http://schemas.microsoft.com/office/powerpoint/2010/main" val="2619683642"/>
       </p:ext>
     </p:extLst>
   </p:cSld>

--- a/figures/pH_fig.pptx
+++ b/figures/pH_fig.pptx
@@ -5,8 +5,8 @@
     <p:sldMasterId id="2147483648" r:id="rId1"/>
   </p:sldMasterIdLst>
   <p:sldIdLst>
-    <p:sldId id="2371" r:id="rId2"/>
-    <p:sldId id="2372" r:id="rId3"/>
+    <p:sldId id="2372" r:id="rId2"/>
+    <p:sldId id="2371" r:id="rId3"/>
   </p:sldIdLst>
   <p:sldSz cx="12192000" cy="6858000"/>
   <p:notesSz cx="6858000" cy="9144000"/>
@@ -3341,218 +3341,6 @@
           </p:cNvPicPr>
           <p:nvPr/>
         </p:nvPicPr>
-        <p:blipFill>
-          <a:blip r:embed="rId2"/>
-          <a:stretch>
-            <a:fillRect/>
-          </a:stretch>
-        </p:blipFill>
-        <p:spPr>
-          <a:xfrm>
-            <a:off x="487331" y="1471981"/>
-            <a:ext cx="6602993" cy="3301497"/>
-          </a:xfrm>
-          <a:prstGeom prst="rect">
-            <a:avLst/>
-          </a:prstGeom>
-        </p:spPr>
-      </p:pic>
-      <p:pic>
-        <p:nvPicPr>
-          <p:cNvPr id="28" name="Picture 27">
-            <a:extLst>
-              <a:ext uri="{FF2B5EF4-FFF2-40B4-BE49-F238E27FC236}">
-                <a16:creationId xmlns:a16="http://schemas.microsoft.com/office/drawing/2014/main" id="{951BA340-EB42-3761-7EBA-EDBF2993A062}"/>
-              </a:ext>
-            </a:extLst>
-          </p:cNvPr>
-          <p:cNvPicPr>
-            <a:picLocks noChangeAspect="1"/>
-          </p:cNvPicPr>
-          <p:nvPr/>
-        </p:nvPicPr>
-        <p:blipFill>
-          <a:blip r:embed="rId3"/>
-          <a:stretch>
-            <a:fillRect/>
-          </a:stretch>
-        </p:blipFill>
-        <p:spPr>
-          <a:xfrm>
-            <a:off x="5767085" y="1471981"/>
-            <a:ext cx="6424915" cy="2780783"/>
-          </a:xfrm>
-          <a:prstGeom prst="rect">
-            <a:avLst/>
-          </a:prstGeom>
-        </p:spPr>
-      </p:pic>
-      <p:sp>
-        <p:nvSpPr>
-          <p:cNvPr id="5" name="TextBox 4">
-            <a:extLst>
-              <a:ext uri="{FF2B5EF4-FFF2-40B4-BE49-F238E27FC236}">
-                <a16:creationId xmlns:a16="http://schemas.microsoft.com/office/drawing/2014/main" id="{38A14FE5-DB15-7BCE-1C6E-7153B03E560F}"/>
-              </a:ext>
-            </a:extLst>
-          </p:cNvPr>
-          <p:cNvSpPr txBox="1"/>
-          <p:nvPr/>
-        </p:nvSpPr>
-        <p:spPr>
-          <a:xfrm>
-            <a:off x="7696815" y="1743818"/>
-            <a:ext cx="934871" cy="523220"/>
-          </a:xfrm>
-          <a:prstGeom prst="rect">
-            <a:avLst/>
-          </a:prstGeom>
-          <a:noFill/>
-        </p:spPr>
-        <p:txBody>
-          <a:bodyPr wrap="none" rtlCol="0">
-            <a:spAutoFit/>
-          </a:bodyPr>
-          <a:lstStyle/>
-          <a:p>
-            <a:r>
-              <a:rPr lang="en-US" sz="1400" dirty="0">
-                <a:latin typeface="Arial" panose="020B0604020202020204" pitchFamily="34" charset="0"/>
-                <a:cs typeface="Arial" panose="020B0604020202020204" pitchFamily="34" charset="0"/>
-              </a:rPr>
-              <a:t>p &lt; 0.001</a:t>
-            </a:r>
-          </a:p>
-          <a:p>
-            <a:r>
-              <a:rPr lang="en-US" sz="1400" dirty="0">
-                <a:latin typeface="Arial" panose="020B0604020202020204" pitchFamily="34" charset="0"/>
-                <a:cs typeface="Arial" panose="020B0604020202020204" pitchFamily="34" charset="0"/>
-              </a:rPr>
-              <a:t>R</a:t>
-            </a:r>
-            <a:r>
-              <a:rPr lang="en-US" sz="1400" baseline="30000" dirty="0">
-                <a:latin typeface="Arial" panose="020B0604020202020204" pitchFamily="34" charset="0"/>
-                <a:cs typeface="Arial" panose="020B0604020202020204" pitchFamily="34" charset="0"/>
-              </a:rPr>
-              <a:t>2 </a:t>
-            </a:r>
-            <a:r>
-              <a:rPr lang="en-US" sz="1400" dirty="0">
-                <a:latin typeface="Arial" panose="020B0604020202020204" pitchFamily="34" charset="0"/>
-                <a:cs typeface="Arial" panose="020B0604020202020204" pitchFamily="34" charset="0"/>
-              </a:rPr>
-              <a:t>= 0.45</a:t>
-            </a:r>
-          </a:p>
-        </p:txBody>
-      </p:sp>
-      <p:sp>
-        <p:nvSpPr>
-          <p:cNvPr id="6" name="TextBox 5">
-            <a:extLst>
-              <a:ext uri="{FF2B5EF4-FFF2-40B4-BE49-F238E27FC236}">
-                <a16:creationId xmlns:a16="http://schemas.microsoft.com/office/drawing/2014/main" id="{1E5544B8-F86E-C2CF-684A-C7C8795FDEE3}"/>
-              </a:ext>
-            </a:extLst>
-          </p:cNvPr>
-          <p:cNvSpPr txBox="1"/>
-          <p:nvPr/>
-        </p:nvSpPr>
-        <p:spPr>
-          <a:xfrm>
-            <a:off x="10081672" y="1743818"/>
-            <a:ext cx="934871" cy="523220"/>
-          </a:xfrm>
-          <a:prstGeom prst="rect">
-            <a:avLst/>
-          </a:prstGeom>
-          <a:noFill/>
-        </p:spPr>
-        <p:txBody>
-          <a:bodyPr wrap="none" rtlCol="0">
-            <a:spAutoFit/>
-          </a:bodyPr>
-          <a:lstStyle/>
-          <a:p>
-            <a:r>
-              <a:rPr lang="en-US" sz="1400" dirty="0">
-                <a:latin typeface="Arial" panose="020B0604020202020204" pitchFamily="34" charset="0"/>
-                <a:cs typeface="Arial" panose="020B0604020202020204" pitchFamily="34" charset="0"/>
-              </a:rPr>
-              <a:t>p &lt; 0.001</a:t>
-            </a:r>
-          </a:p>
-          <a:p>
-            <a:r>
-              <a:rPr lang="en-US" sz="1400" dirty="0">
-                <a:latin typeface="Arial" panose="020B0604020202020204" pitchFamily="34" charset="0"/>
-                <a:cs typeface="Arial" panose="020B0604020202020204" pitchFamily="34" charset="0"/>
-              </a:rPr>
-              <a:t>R</a:t>
-            </a:r>
-            <a:r>
-              <a:rPr lang="en-US" sz="1400" baseline="30000" dirty="0">
-                <a:latin typeface="Arial" panose="020B0604020202020204" pitchFamily="34" charset="0"/>
-                <a:cs typeface="Arial" panose="020B0604020202020204" pitchFamily="34" charset="0"/>
-              </a:rPr>
-              <a:t>2 </a:t>
-            </a:r>
-            <a:r>
-              <a:rPr lang="en-US" sz="1400" dirty="0">
-                <a:latin typeface="Arial" panose="020B0604020202020204" pitchFamily="34" charset="0"/>
-                <a:cs typeface="Arial" panose="020B0604020202020204" pitchFamily="34" charset="0"/>
-              </a:rPr>
-              <a:t>= 0.97</a:t>
-            </a:r>
-          </a:p>
-        </p:txBody>
-      </p:sp>
-    </p:spTree>
-    <p:extLst>
-      <p:ext uri="{BB962C8B-B14F-4D97-AF65-F5344CB8AC3E}">
-        <p14:creationId xmlns:p14="http://schemas.microsoft.com/office/powerpoint/2010/main" val="3642034611"/>
-      </p:ext>
-    </p:extLst>
-  </p:cSld>
-  <p:clrMapOvr>
-    <a:masterClrMapping/>
-  </p:clrMapOvr>
-</p:sld>
-</file>
-
-<file path=ppt/slides/slide2.xml><?xml version="1.0" encoding="utf-8"?>
-<p:sld xmlns:a="http://schemas.openxmlformats.org/drawingml/2006/main" xmlns:r="http://schemas.openxmlformats.org/officeDocument/2006/relationships" xmlns:p="http://schemas.openxmlformats.org/presentationml/2006/main">
-  <p:cSld>
-    <p:spTree>
-      <p:nvGrpSpPr>
-        <p:cNvPr id="1" name=""/>
-        <p:cNvGrpSpPr/>
-        <p:nvPr/>
-      </p:nvGrpSpPr>
-      <p:grpSpPr>
-        <a:xfrm>
-          <a:off x="0" y="0"/>
-          <a:ext cx="0" cy="0"/>
-          <a:chOff x="0" y="0"/>
-          <a:chExt cx="0" cy="0"/>
-        </a:xfrm>
-      </p:grpSpPr>
-      <p:pic>
-        <p:nvPicPr>
-          <p:cNvPr id="24" name="Picture 23">
-            <a:extLst>
-              <a:ext uri="{FF2B5EF4-FFF2-40B4-BE49-F238E27FC236}">
-                <a16:creationId xmlns:a16="http://schemas.microsoft.com/office/drawing/2014/main" id="{120F0578-6D01-D378-E77C-7F8F74A03AD8}"/>
-              </a:ext>
-            </a:extLst>
-          </p:cNvPr>
-          <p:cNvPicPr>
-            <a:picLocks noChangeAspect="1"/>
-          </p:cNvPicPr>
-          <p:nvPr/>
-        </p:nvPicPr>
         <p:blipFill rotWithShape="1">
           <a:blip r:embed="rId2"/>
           <a:srcRect r="19735"/>
@@ -3815,6 +3603,218 @@
     <p:extLst>
       <p:ext uri="{BB962C8B-B14F-4D97-AF65-F5344CB8AC3E}">
         <p14:creationId xmlns:p14="http://schemas.microsoft.com/office/powerpoint/2010/main" val="2619683642"/>
+      </p:ext>
+    </p:extLst>
+  </p:cSld>
+  <p:clrMapOvr>
+    <a:masterClrMapping/>
+  </p:clrMapOvr>
+</p:sld>
+</file>
+
+<file path=ppt/slides/slide2.xml><?xml version="1.0" encoding="utf-8"?>
+<p:sld xmlns:a="http://schemas.openxmlformats.org/drawingml/2006/main" xmlns:r="http://schemas.openxmlformats.org/officeDocument/2006/relationships" xmlns:p="http://schemas.openxmlformats.org/presentationml/2006/main">
+  <p:cSld>
+    <p:spTree>
+      <p:nvGrpSpPr>
+        <p:cNvPr id="1" name=""/>
+        <p:cNvGrpSpPr/>
+        <p:nvPr/>
+      </p:nvGrpSpPr>
+      <p:grpSpPr>
+        <a:xfrm>
+          <a:off x="0" y="0"/>
+          <a:ext cx="0" cy="0"/>
+          <a:chOff x="0" y="0"/>
+          <a:chExt cx="0" cy="0"/>
+        </a:xfrm>
+      </p:grpSpPr>
+      <p:pic>
+        <p:nvPicPr>
+          <p:cNvPr id="24" name="Picture 23">
+            <a:extLst>
+              <a:ext uri="{FF2B5EF4-FFF2-40B4-BE49-F238E27FC236}">
+                <a16:creationId xmlns:a16="http://schemas.microsoft.com/office/drawing/2014/main" id="{120F0578-6D01-D378-E77C-7F8F74A03AD8}"/>
+              </a:ext>
+            </a:extLst>
+          </p:cNvPr>
+          <p:cNvPicPr>
+            <a:picLocks noChangeAspect="1"/>
+          </p:cNvPicPr>
+          <p:nvPr/>
+        </p:nvPicPr>
+        <p:blipFill>
+          <a:blip r:embed="rId2"/>
+          <a:stretch>
+            <a:fillRect/>
+          </a:stretch>
+        </p:blipFill>
+        <p:spPr>
+          <a:xfrm>
+            <a:off x="487331" y="1471981"/>
+            <a:ext cx="6602993" cy="3301497"/>
+          </a:xfrm>
+          <a:prstGeom prst="rect">
+            <a:avLst/>
+          </a:prstGeom>
+        </p:spPr>
+      </p:pic>
+      <p:pic>
+        <p:nvPicPr>
+          <p:cNvPr id="28" name="Picture 27">
+            <a:extLst>
+              <a:ext uri="{FF2B5EF4-FFF2-40B4-BE49-F238E27FC236}">
+                <a16:creationId xmlns:a16="http://schemas.microsoft.com/office/drawing/2014/main" id="{951BA340-EB42-3761-7EBA-EDBF2993A062}"/>
+              </a:ext>
+            </a:extLst>
+          </p:cNvPr>
+          <p:cNvPicPr>
+            <a:picLocks noChangeAspect="1"/>
+          </p:cNvPicPr>
+          <p:nvPr/>
+        </p:nvPicPr>
+        <p:blipFill>
+          <a:blip r:embed="rId3"/>
+          <a:stretch>
+            <a:fillRect/>
+          </a:stretch>
+        </p:blipFill>
+        <p:spPr>
+          <a:xfrm>
+            <a:off x="5767085" y="1471981"/>
+            <a:ext cx="6424915" cy="2780783"/>
+          </a:xfrm>
+          <a:prstGeom prst="rect">
+            <a:avLst/>
+          </a:prstGeom>
+        </p:spPr>
+      </p:pic>
+      <p:sp>
+        <p:nvSpPr>
+          <p:cNvPr id="5" name="TextBox 4">
+            <a:extLst>
+              <a:ext uri="{FF2B5EF4-FFF2-40B4-BE49-F238E27FC236}">
+                <a16:creationId xmlns:a16="http://schemas.microsoft.com/office/drawing/2014/main" id="{38A14FE5-DB15-7BCE-1C6E-7153B03E560F}"/>
+              </a:ext>
+            </a:extLst>
+          </p:cNvPr>
+          <p:cNvSpPr txBox="1"/>
+          <p:nvPr/>
+        </p:nvSpPr>
+        <p:spPr>
+          <a:xfrm>
+            <a:off x="7696815" y="1743818"/>
+            <a:ext cx="934871" cy="523220"/>
+          </a:xfrm>
+          <a:prstGeom prst="rect">
+            <a:avLst/>
+          </a:prstGeom>
+          <a:noFill/>
+        </p:spPr>
+        <p:txBody>
+          <a:bodyPr wrap="none" rtlCol="0">
+            <a:spAutoFit/>
+          </a:bodyPr>
+          <a:lstStyle/>
+          <a:p>
+            <a:r>
+              <a:rPr lang="en-US" sz="1400" dirty="0">
+                <a:latin typeface="Arial" panose="020B0604020202020204" pitchFamily="34" charset="0"/>
+                <a:cs typeface="Arial" panose="020B0604020202020204" pitchFamily="34" charset="0"/>
+              </a:rPr>
+              <a:t>p &lt; 0.001</a:t>
+            </a:r>
+          </a:p>
+          <a:p>
+            <a:r>
+              <a:rPr lang="en-US" sz="1400" dirty="0">
+                <a:latin typeface="Arial" panose="020B0604020202020204" pitchFamily="34" charset="0"/>
+                <a:cs typeface="Arial" panose="020B0604020202020204" pitchFamily="34" charset="0"/>
+              </a:rPr>
+              <a:t>R</a:t>
+            </a:r>
+            <a:r>
+              <a:rPr lang="en-US" sz="1400" baseline="30000" dirty="0">
+                <a:latin typeface="Arial" panose="020B0604020202020204" pitchFamily="34" charset="0"/>
+                <a:cs typeface="Arial" panose="020B0604020202020204" pitchFamily="34" charset="0"/>
+              </a:rPr>
+              <a:t>2 </a:t>
+            </a:r>
+            <a:r>
+              <a:rPr lang="en-US" sz="1400" dirty="0">
+                <a:latin typeface="Arial" panose="020B0604020202020204" pitchFamily="34" charset="0"/>
+                <a:cs typeface="Arial" panose="020B0604020202020204" pitchFamily="34" charset="0"/>
+              </a:rPr>
+              <a:t>= 0.45</a:t>
+            </a:r>
+          </a:p>
+        </p:txBody>
+      </p:sp>
+      <p:sp>
+        <p:nvSpPr>
+          <p:cNvPr id="6" name="TextBox 5">
+            <a:extLst>
+              <a:ext uri="{FF2B5EF4-FFF2-40B4-BE49-F238E27FC236}">
+                <a16:creationId xmlns:a16="http://schemas.microsoft.com/office/drawing/2014/main" id="{1E5544B8-F86E-C2CF-684A-C7C8795FDEE3}"/>
+              </a:ext>
+            </a:extLst>
+          </p:cNvPr>
+          <p:cNvSpPr txBox="1"/>
+          <p:nvPr/>
+        </p:nvSpPr>
+        <p:spPr>
+          <a:xfrm>
+            <a:off x="10081672" y="1743818"/>
+            <a:ext cx="934871" cy="523220"/>
+          </a:xfrm>
+          <a:prstGeom prst="rect">
+            <a:avLst/>
+          </a:prstGeom>
+          <a:noFill/>
+        </p:spPr>
+        <p:txBody>
+          <a:bodyPr wrap="none" rtlCol="0">
+            <a:spAutoFit/>
+          </a:bodyPr>
+          <a:lstStyle/>
+          <a:p>
+            <a:r>
+              <a:rPr lang="en-US" sz="1400" dirty="0">
+                <a:latin typeface="Arial" panose="020B0604020202020204" pitchFamily="34" charset="0"/>
+                <a:cs typeface="Arial" panose="020B0604020202020204" pitchFamily="34" charset="0"/>
+              </a:rPr>
+              <a:t>p &lt; 0.001</a:t>
+            </a:r>
+          </a:p>
+          <a:p>
+            <a:r>
+              <a:rPr lang="en-US" sz="1400" dirty="0">
+                <a:latin typeface="Arial" panose="020B0604020202020204" pitchFamily="34" charset="0"/>
+                <a:cs typeface="Arial" panose="020B0604020202020204" pitchFamily="34" charset="0"/>
+              </a:rPr>
+              <a:t>R</a:t>
+            </a:r>
+            <a:r>
+              <a:rPr lang="en-US" sz="1400" baseline="30000" dirty="0">
+                <a:latin typeface="Arial" panose="020B0604020202020204" pitchFamily="34" charset="0"/>
+                <a:cs typeface="Arial" panose="020B0604020202020204" pitchFamily="34" charset="0"/>
+              </a:rPr>
+              <a:t>2 </a:t>
+            </a:r>
+            <a:r>
+              <a:rPr lang="en-US" sz="1400" dirty="0">
+                <a:latin typeface="Arial" panose="020B0604020202020204" pitchFamily="34" charset="0"/>
+                <a:cs typeface="Arial" panose="020B0604020202020204" pitchFamily="34" charset="0"/>
+              </a:rPr>
+              <a:t>= 0.97</a:t>
+            </a:r>
+          </a:p>
+        </p:txBody>
+      </p:sp>
+    </p:spTree>
+    <p:extLst>
+      <p:ext uri="{BB962C8B-B14F-4D97-AF65-F5344CB8AC3E}">
+        <p14:creationId xmlns:p14="http://schemas.microsoft.com/office/powerpoint/2010/main" val="3642034611"/>
       </p:ext>
     </p:extLst>
   </p:cSld>

--- a/figures/pH_fig.pptx
+++ b/figures/pH_fig.pptx
@@ -260,7 +260,7 @@
           <a:p>
             <a:fld id="{8622E48A-49B3-0140-92F9-2F4EF2F3D1BF}" type="datetimeFigureOut">
               <a:rPr lang="en-US" smtClean="0"/>
-              <a:t>7/4/24</a:t>
+              <a:t>7/12/24</a:t>
             </a:fld>
             <a:endParaRPr lang="en-US"/>
           </a:p>
@@ -458,7 +458,7 @@
           <a:p>
             <a:fld id="{8622E48A-49B3-0140-92F9-2F4EF2F3D1BF}" type="datetimeFigureOut">
               <a:rPr lang="en-US" smtClean="0"/>
-              <a:t>7/4/24</a:t>
+              <a:t>7/12/24</a:t>
             </a:fld>
             <a:endParaRPr lang="en-US"/>
           </a:p>
@@ -666,7 +666,7 @@
           <a:p>
             <a:fld id="{8622E48A-49B3-0140-92F9-2F4EF2F3D1BF}" type="datetimeFigureOut">
               <a:rPr lang="en-US" smtClean="0"/>
-              <a:t>7/4/24</a:t>
+              <a:t>7/12/24</a:t>
             </a:fld>
             <a:endParaRPr lang="en-US"/>
           </a:p>
@@ -864,7 +864,7 @@
           <a:p>
             <a:fld id="{8622E48A-49B3-0140-92F9-2F4EF2F3D1BF}" type="datetimeFigureOut">
               <a:rPr lang="en-US" smtClean="0"/>
-              <a:t>7/4/24</a:t>
+              <a:t>7/12/24</a:t>
             </a:fld>
             <a:endParaRPr lang="en-US"/>
           </a:p>
@@ -1139,7 +1139,7 @@
           <a:p>
             <a:fld id="{8622E48A-49B3-0140-92F9-2F4EF2F3D1BF}" type="datetimeFigureOut">
               <a:rPr lang="en-US" smtClean="0"/>
-              <a:t>7/4/24</a:t>
+              <a:t>7/12/24</a:t>
             </a:fld>
             <a:endParaRPr lang="en-US"/>
           </a:p>
@@ -1404,7 +1404,7 @@
           <a:p>
             <a:fld id="{8622E48A-49B3-0140-92F9-2F4EF2F3D1BF}" type="datetimeFigureOut">
               <a:rPr lang="en-US" smtClean="0"/>
-              <a:t>7/4/24</a:t>
+              <a:t>7/12/24</a:t>
             </a:fld>
             <a:endParaRPr lang="en-US"/>
           </a:p>
@@ -1816,7 +1816,7 @@
           <a:p>
             <a:fld id="{8622E48A-49B3-0140-92F9-2F4EF2F3D1BF}" type="datetimeFigureOut">
               <a:rPr lang="en-US" smtClean="0"/>
-              <a:t>7/4/24</a:t>
+              <a:t>7/12/24</a:t>
             </a:fld>
             <a:endParaRPr lang="en-US"/>
           </a:p>
@@ -1957,7 +1957,7 @@
           <a:p>
             <a:fld id="{8622E48A-49B3-0140-92F9-2F4EF2F3D1BF}" type="datetimeFigureOut">
               <a:rPr lang="en-US" smtClean="0"/>
-              <a:t>7/4/24</a:t>
+              <a:t>7/12/24</a:t>
             </a:fld>
             <a:endParaRPr lang="en-US"/>
           </a:p>
@@ -2070,7 +2070,7 @@
           <a:p>
             <a:fld id="{8622E48A-49B3-0140-92F9-2F4EF2F3D1BF}" type="datetimeFigureOut">
               <a:rPr lang="en-US" smtClean="0"/>
-              <a:t>7/4/24</a:t>
+              <a:t>7/12/24</a:t>
             </a:fld>
             <a:endParaRPr lang="en-US"/>
           </a:p>
@@ -2381,7 +2381,7 @@
           <a:p>
             <a:fld id="{8622E48A-49B3-0140-92F9-2F4EF2F3D1BF}" type="datetimeFigureOut">
               <a:rPr lang="en-US" smtClean="0"/>
-              <a:t>7/4/24</a:t>
+              <a:t>7/12/24</a:t>
             </a:fld>
             <a:endParaRPr lang="en-US"/>
           </a:p>
@@ -2669,7 +2669,7 @@
           <a:p>
             <a:fld id="{8622E48A-49B3-0140-92F9-2F4EF2F3D1BF}" type="datetimeFigureOut">
               <a:rPr lang="en-US" smtClean="0"/>
-              <a:t>7/4/24</a:t>
+              <a:t>7/12/24</a:t>
             </a:fld>
             <a:endParaRPr lang="en-US"/>
           </a:p>
@@ -2910,7 +2910,7 @@
           <a:p>
             <a:fld id="{8622E48A-49B3-0140-92F9-2F4EF2F3D1BF}" type="datetimeFigureOut">
               <a:rPr lang="en-US" smtClean="0"/>
-              <a:t>7/4/24</a:t>
+              <a:t>7/12/24</a:t>
             </a:fld>
             <a:endParaRPr lang="en-US"/>
           </a:p>
@@ -3544,7 +3544,7 @@
         <p:spPr>
           <a:xfrm>
             <a:off x="2425549" y="311229"/>
-            <a:ext cx="441146" cy="369332"/>
+            <a:ext cx="375424" cy="369332"/>
           </a:xfrm>
           <a:prstGeom prst="rect">
             <a:avLst/>
@@ -3559,7 +3559,7 @@
           <a:p>
             <a:r>
               <a:rPr lang="en-US" dirty="0"/>
-              <a:t>a.)</a:t>
+              <a:t>a)</a:t>
             </a:r>
           </a:p>
         </p:txBody>
@@ -3579,7 +3579,7 @@
         <p:spPr>
           <a:xfrm>
             <a:off x="2426125" y="3176404"/>
-            <a:ext cx="440570" cy="369332"/>
+            <a:ext cx="381836" cy="369332"/>
           </a:xfrm>
           <a:prstGeom prst="rect">
             <a:avLst/>
@@ -3594,7 +3594,7 @@
           <a:p>
             <a:r>
               <a:rPr lang="en-US" dirty="0"/>
-              <a:t>b.)</a:t>
+              <a:t>b)</a:t>
             </a:r>
           </a:p>
         </p:txBody>
